--- a/1HUST-Theme-PPT/v2扁平16-9.pptx
+++ b/1HUST-Theme-PPT/v2扁平16-9.pptx
@@ -205,7 +205,7 @@
           <a:p>
             <a:fld id="{BDA51940-DB52-3B48-AABB-9C7938529E4E}" type="datetimeFigureOut">
               <a:rPr kumimoji="1" lang="zh-CN" altLang="en-US" smtClean="0"/>
-              <a:t>2026/1/18</a:t>
+              <a:t>2026/1/21</a:t>
             </a:fld>
             <a:endParaRPr kumimoji="1" lang="zh-CN" altLang="en-US"/>
           </a:p>
@@ -881,7 +881,7 @@
             </a:pPr>
             <a:fld id="{E4551058-E5DB-324A-A8E9-6D3BEF243C3B}" type="datetimeFigureOut">
               <a:rPr kumimoji="1" lang="zh-CN" altLang="en-US" smtClean="0"/>
-              <a:t>2026/1/18</a:t>
+              <a:t>2026/1/21</a:t>
             </a:fld>
             <a:endParaRPr kumimoji="1" lang="zh-CN" altLang="en-US"/>
           </a:p>
@@ -1274,7 +1274,7 @@
             </a:pPr>
             <a:fld id="{E4551058-E5DB-324A-A8E9-6D3BEF243C3B}" type="datetimeFigureOut">
               <a:rPr kumimoji="1" lang="zh-CN" altLang="en-US" smtClean="0"/>
-              <a:t>2026/1/18</a:t>
+              <a:t>2026/1/21</a:t>
             </a:fld>
             <a:endParaRPr kumimoji="1" lang="zh-CN" altLang="en-US"/>
           </a:p>
@@ -1504,7 +1504,7 @@
             </a:pPr>
             <a:fld id="{E4551058-E5DB-324A-A8E9-6D3BEF243C3B}" type="datetimeFigureOut">
               <a:rPr kumimoji="1" lang="zh-CN" altLang="en-US" smtClean="0"/>
-              <a:t>2026/1/18</a:t>
+              <a:t>2026/1/21</a:t>
             </a:fld>
             <a:endParaRPr kumimoji="1" lang="zh-CN" altLang="en-US"/>
           </a:p>
@@ -1877,7 +1877,7 @@
             </a:pPr>
             <a:fld id="{E4551058-E5DB-324A-A8E9-6D3BEF243C3B}" type="datetimeFigureOut">
               <a:rPr kumimoji="1" lang="zh-CN" altLang="en-US" smtClean="0"/>
-              <a:t>2026/1/18</a:t>
+              <a:t>2026/1/21</a:t>
             </a:fld>
             <a:endParaRPr kumimoji="1" lang="zh-CN" altLang="en-US"/>
           </a:p>
@@ -2152,7 +2152,7 @@
             </a:pPr>
             <a:fld id="{E4551058-E5DB-324A-A8E9-6D3BEF243C3B}" type="datetimeFigureOut">
               <a:rPr kumimoji="1" lang="zh-CN" altLang="en-US" smtClean="0"/>
-              <a:t>2026/1/18</a:t>
+              <a:t>2026/1/21</a:t>
             </a:fld>
             <a:endParaRPr kumimoji="1" lang="zh-CN" altLang="en-US"/>
           </a:p>
@@ -2416,7 +2416,7 @@
             </a:pPr>
             <a:fld id="{E4551058-E5DB-324A-A8E9-6D3BEF243C3B}" type="datetimeFigureOut">
               <a:rPr kumimoji="1" lang="zh-CN" altLang="en-US" smtClean="0"/>
-              <a:t>2026/1/18</a:t>
+              <a:t>2026/1/21</a:t>
             </a:fld>
             <a:endParaRPr kumimoji="1" lang="zh-CN" altLang="en-US"/>
           </a:p>
@@ -2872,7 +2872,7 @@
             </a:pPr>
             <a:fld id="{E4551058-E5DB-324A-A8E9-6D3BEF243C3B}" type="datetimeFigureOut">
               <a:rPr kumimoji="1" lang="zh-CN" altLang="en-US" smtClean="0"/>
-              <a:t>2026/1/18</a:t>
+              <a:t>2026/1/21</a:t>
             </a:fld>
             <a:endParaRPr kumimoji="1" lang="zh-CN" altLang="en-US"/>
           </a:p>
@@ -3388,7 +3388,7 @@
             </a:pPr>
             <a:fld id="{E4551058-E5DB-324A-A8E9-6D3BEF243C3B}" type="datetimeFigureOut">
               <a:rPr kumimoji="1" lang="zh-CN" altLang="en-US" smtClean="0"/>
-              <a:t>2026/1/18</a:t>
+              <a:t>2026/1/21</a:t>
             </a:fld>
             <a:endParaRPr kumimoji="1" lang="zh-CN" altLang="en-US"/>
           </a:p>
@@ -3899,7 +3899,7 @@
             </a:pPr>
             <a:fld id="{E4551058-E5DB-324A-A8E9-6D3BEF243C3B}" type="datetimeFigureOut">
               <a:rPr kumimoji="1" lang="zh-CN" altLang="en-US" smtClean="0"/>
-              <a:t>2026/1/18</a:t>
+              <a:t>2026/1/21</a:t>
             </a:fld>
             <a:endParaRPr kumimoji="1" lang="zh-CN" altLang="en-US"/>
           </a:p>
@@ -4066,7 +4066,7 @@
             </a:pPr>
             <a:fld id="{E4551058-E5DB-324A-A8E9-6D3BEF243C3B}" type="datetimeFigureOut">
               <a:rPr kumimoji="1" lang="zh-CN" altLang="en-US" smtClean="0"/>
-              <a:t>2026/1/18</a:t>
+              <a:t>2026/1/21</a:t>
             </a:fld>
             <a:endParaRPr kumimoji="1" lang="zh-CN" altLang="en-US"/>
           </a:p>
@@ -4233,7 +4233,7 @@
             </a:pPr>
             <a:fld id="{E4551058-E5DB-324A-A8E9-6D3BEF243C3B}" type="datetimeFigureOut">
               <a:rPr kumimoji="1" lang="zh-CN" altLang="en-US" smtClean="0"/>
-              <a:t>2026/1/18</a:t>
+              <a:t>2026/1/21</a:t>
             </a:fld>
             <a:endParaRPr kumimoji="1" lang="zh-CN" altLang="en-US"/>
           </a:p>
@@ -4715,7 +4715,7 @@
             </a:pPr>
             <a:fld id="{E4551058-E5DB-324A-A8E9-6D3BEF243C3B}" type="datetimeFigureOut">
               <a:rPr kumimoji="1" lang="zh-CN" altLang="en-US" smtClean="0"/>
-              <a:t>2026/1/18</a:t>
+              <a:t>2026/1/21</a:t>
             </a:fld>
             <a:endParaRPr kumimoji="1" lang="zh-CN" altLang="en-US"/>
           </a:p>
@@ -5074,7 +5074,7 @@
             </a:pPr>
             <a:fld id="{E4551058-E5DB-324A-A8E9-6D3BEF243C3B}" type="datetimeFigureOut">
               <a:rPr kumimoji="1" lang="zh-CN" altLang="en-US" smtClean="0"/>
-              <a:t>2026/1/18</a:t>
+              <a:t>2026/1/21</a:t>
             </a:fld>
             <a:endParaRPr kumimoji="1" lang="zh-CN" altLang="en-US"/>
           </a:p>
@@ -5609,7 +5609,7 @@
             <a:ext cx="9748337" cy="1340999"/>
           </a:xfrm>
           <a:ln>
-            <a:solidFill/>
+            <a:noFill/>
           </a:ln>
         </p:spPr>
         <p:txBody>
@@ -5712,7 +5712,7 @@
             <a:ext cx="9748800" cy="1317600"/>
           </a:xfrm>
           <a:ln>
-            <a:solidFill/>
+            <a:noFill/>
           </a:ln>
         </p:spPr>
         <p:txBody>
@@ -5831,7 +5831,7 @@
             <a:ext cx="9923523" cy="3391101"/>
           </a:xfrm>
           <a:ln>
-            <a:solidFill/>
+            <a:noFill/>
           </a:ln>
         </p:spPr>
         <p:txBody>
@@ -5926,7 +5926,7 @@
             <a:ext cx="9923522" cy="1351451"/>
           </a:xfrm>
           <a:ln>
-            <a:solidFill/>
+            <a:noFill/>
           </a:ln>
         </p:spPr>
         <p:txBody>
@@ -6012,7 +6012,7 @@
             <a:ext cx="10521387" cy="3678303"/>
           </a:xfrm>
           <a:ln>
-            <a:solidFill/>
+            <a:noFill/>
           </a:ln>
         </p:spPr>
         <p:txBody>
@@ -6195,7 +6195,7 @@
             <a:ext cx="10521388" cy="1015200"/>
           </a:xfrm>
           <a:ln>
-            <a:solidFill/>
+            <a:noFill/>
           </a:ln>
         </p:spPr>
         <p:txBody>
@@ -6274,7 +6274,7 @@
             <a:ext cx="5087075" cy="536005"/>
           </a:xfrm>
           <a:ln>
-            <a:solidFill/>
+            <a:noFill/>
           </a:ln>
         </p:spPr>
         <p:txBody>
@@ -6318,7 +6318,7 @@
             <a:ext cx="5393100" cy="2934999"/>
           </a:xfrm>
           <a:ln>
-            <a:solidFill/>
+            <a:noFill/>
           </a:ln>
         </p:spPr>
         <p:txBody>
@@ -6434,7 +6434,7 @@
             <a:ext cx="5087073" cy="553373"/>
           </a:xfrm>
           <a:ln>
-            <a:solidFill/>
+            <a:noFill/>
           </a:ln>
         </p:spPr>
         <p:txBody>
@@ -6478,7 +6478,7 @@
             <a:ext cx="5393100" cy="2934999"/>
           </a:xfrm>
           <a:ln>
-            <a:solidFill/>
+            <a:noFill/>
           </a:ln>
         </p:spPr>
         <p:txBody>
@@ -6637,7 +6637,7 @@
             <a:ext cx="10521388" cy="1015200"/>
           </a:xfrm>
           <a:ln>
-            <a:solidFill/>
+            <a:noFill/>
           </a:ln>
         </p:spPr>
         <p:txBody>
@@ -6723,7 +6723,7 @@
             <a:ext cx="11029616" cy="566738"/>
           </a:xfrm>
           <a:ln>
-            <a:solidFill/>
+            <a:noFill/>
           </a:ln>
         </p:spPr>
         <p:txBody>
@@ -6766,7 +6766,7 @@
             <a:ext cx="11029617" cy="598671"/>
           </a:xfrm>
           <a:ln>
-            <a:solidFill/>
+            <a:noFill/>
           </a:ln>
         </p:spPr>
         <p:txBody>
@@ -6845,7 +6845,7 @@
             <a:ext cx="10267200" cy="1382400"/>
           </a:xfrm>
           <a:ln>
-            <a:solidFill/>
+            <a:noFill/>
           </a:ln>
         </p:spPr>
         <p:txBody>
@@ -6888,7 +6888,7 @@
             <a:ext cx="10265664" cy="1340999"/>
           </a:xfrm>
           <a:ln>
-            <a:solidFill/>
+            <a:noFill/>
           </a:ln>
         </p:spPr>
         <p:txBody>
@@ -6974,7 +6974,7 @@
             <a:ext cx="10333301" cy="653148"/>
           </a:xfrm>
           <a:ln>
-            <a:solidFill/>
+            <a:noFill/>
           </a:ln>
         </p:spPr>
         <p:txBody>
@@ -7013,7 +7013,7 @@
         </p:nvSpPr>
         <p:spPr>
           <a:ln>
-            <a:solidFill/>
+            <a:noFill/>
           </a:ln>
         </p:spPr>
         <p:txBody>
@@ -7051,7 +7051,7 @@
             <a:ext cx="10333301" cy="365126"/>
           </a:xfrm>
           <a:ln>
-            <a:solidFill/>
+            <a:noFill/>
           </a:ln>
         </p:spPr>
         <p:txBody>
@@ -7130,7 +7130,7 @@
             <a:ext cx="1899496" cy="5183073"/>
           </a:xfrm>
           <a:ln>
-            <a:solidFill/>
+            <a:noFill/>
           </a:ln>
         </p:spPr>
         <p:txBody>
@@ -7173,7 +7173,7 @@
             <a:ext cx="7791611" cy="5183073"/>
           </a:xfrm>
           <a:ln>
-            <a:solidFill/>
+            <a:noFill/>
           </a:ln>
         </p:spPr>
         <p:txBody>
@@ -7272,7 +7272,7 @@
             <a:ext cx="9748337" cy="1340999"/>
           </a:xfrm>
           <a:ln>
-            <a:solidFill/>
+            <a:noFill/>
           </a:ln>
         </p:spPr>
         <p:txBody>
@@ -7359,7 +7359,7 @@
             <a:ext cx="9748800" cy="1317600"/>
           </a:xfrm>
           <a:ln>
-            <a:solidFill/>
+            <a:noFill/>
           </a:ln>
         </p:spPr>
         <p:txBody>
